--- a/ゲーム制作企画書.pptx
+++ b/ゲーム制作企画書.pptx
@@ -301,7 +301,7 @@
           <a:p>
             <a:fld id="{021EE310-EC55-4FE5-9459-5D3CEDE369C6}" type="datetimeFigureOut">
               <a:rPr kumimoji="1" lang="ja-JP" altLang="en-US" smtClean="0"/>
-              <a:t>2025/10/2</a:t>
+              <a:t>2025/10/7</a:t>
             </a:fld>
             <a:endParaRPr kumimoji="1" lang="ja-JP" altLang="en-US"/>
           </a:p>
@@ -576,7 +576,7 @@
           <a:p>
             <a:fld id="{021EE310-EC55-4FE5-9459-5D3CEDE369C6}" type="datetimeFigureOut">
               <a:rPr kumimoji="1" lang="ja-JP" altLang="en-US" smtClean="0"/>
-              <a:t>2025/10/2</a:t>
+              <a:t>2025/10/7</a:t>
             </a:fld>
             <a:endParaRPr kumimoji="1" lang="ja-JP" altLang="en-US"/>
           </a:p>
@@ -770,7 +770,7 @@
           <a:p>
             <a:fld id="{021EE310-EC55-4FE5-9459-5D3CEDE369C6}" type="datetimeFigureOut">
               <a:rPr kumimoji="1" lang="ja-JP" altLang="en-US" smtClean="0"/>
-              <a:t>2025/10/2</a:t>
+              <a:t>2025/10/7</a:t>
             </a:fld>
             <a:endParaRPr kumimoji="1" lang="ja-JP" altLang="en-US"/>
           </a:p>
@@ -1043,7 +1043,7 @@
           <a:p>
             <a:fld id="{021EE310-EC55-4FE5-9459-5D3CEDE369C6}" type="datetimeFigureOut">
               <a:rPr kumimoji="1" lang="ja-JP" altLang="en-US" smtClean="0"/>
-              <a:t>2025/10/2</a:t>
+              <a:t>2025/10/7</a:t>
             </a:fld>
             <a:endParaRPr kumimoji="1" lang="ja-JP" altLang="en-US"/>
           </a:p>
@@ -1384,7 +1384,7 @@
           <a:p>
             <a:fld id="{021EE310-EC55-4FE5-9459-5D3CEDE369C6}" type="datetimeFigureOut">
               <a:rPr kumimoji="1" lang="ja-JP" altLang="en-US" smtClean="0"/>
-              <a:t>2025/10/2</a:t>
+              <a:t>2025/10/7</a:t>
             </a:fld>
             <a:endParaRPr kumimoji="1" lang="ja-JP" altLang="en-US"/>
           </a:p>
@@ -2007,7 +2007,7 @@
           <a:p>
             <a:fld id="{021EE310-EC55-4FE5-9459-5D3CEDE369C6}" type="datetimeFigureOut">
               <a:rPr kumimoji="1" lang="ja-JP" altLang="en-US" smtClean="0"/>
-              <a:t>2025/10/2</a:t>
+              <a:t>2025/10/7</a:t>
             </a:fld>
             <a:endParaRPr kumimoji="1" lang="ja-JP" altLang="en-US"/>
           </a:p>
@@ -2867,7 +2867,7 @@
           <a:p>
             <a:fld id="{021EE310-EC55-4FE5-9459-5D3CEDE369C6}" type="datetimeFigureOut">
               <a:rPr kumimoji="1" lang="ja-JP" altLang="en-US" smtClean="0"/>
-              <a:t>2025/10/2</a:t>
+              <a:t>2025/10/7</a:t>
             </a:fld>
             <a:endParaRPr kumimoji="1" lang="ja-JP" altLang="en-US"/>
           </a:p>
@@ -3069,7 +3069,7 @@
           <a:p>
             <a:fld id="{021EE310-EC55-4FE5-9459-5D3CEDE369C6}" type="datetimeFigureOut">
               <a:rPr kumimoji="1" lang="ja-JP" altLang="en-US" smtClean="0"/>
-              <a:t>2025/10/2</a:t>
+              <a:t>2025/10/7</a:t>
             </a:fld>
             <a:endParaRPr kumimoji="1" lang="ja-JP" altLang="en-US"/>
           </a:p>
@@ -3281,7 +3281,7 @@
           <a:p>
             <a:fld id="{021EE310-EC55-4FE5-9459-5D3CEDE369C6}" type="datetimeFigureOut">
               <a:rPr kumimoji="1" lang="ja-JP" altLang="en-US" smtClean="0"/>
-              <a:t>2025/10/2</a:t>
+              <a:t>2025/10/7</a:t>
             </a:fld>
             <a:endParaRPr kumimoji="1" lang="ja-JP" altLang="en-US"/>
           </a:p>
@@ -3483,7 +3483,7 @@
           <a:p>
             <a:fld id="{021EE310-EC55-4FE5-9459-5D3CEDE369C6}" type="datetimeFigureOut">
               <a:rPr kumimoji="1" lang="ja-JP" altLang="en-US" smtClean="0"/>
-              <a:t>2025/10/2</a:t>
+              <a:t>2025/10/7</a:t>
             </a:fld>
             <a:endParaRPr kumimoji="1" lang="ja-JP" altLang="en-US"/>
           </a:p>
@@ -3730,7 +3730,7 @@
           <a:p>
             <a:fld id="{021EE310-EC55-4FE5-9459-5D3CEDE369C6}" type="datetimeFigureOut">
               <a:rPr kumimoji="1" lang="ja-JP" altLang="en-US" smtClean="0"/>
-              <a:t>2025/10/2</a:t>
+              <a:t>2025/10/7</a:t>
             </a:fld>
             <a:endParaRPr kumimoji="1" lang="ja-JP" altLang="en-US"/>
           </a:p>
@@ -4086,7 +4086,7 @@
           <a:p>
             <a:fld id="{021EE310-EC55-4FE5-9459-5D3CEDE369C6}" type="datetimeFigureOut">
               <a:rPr kumimoji="1" lang="ja-JP" altLang="en-US" smtClean="0"/>
-              <a:t>2025/10/2</a:t>
+              <a:t>2025/10/7</a:t>
             </a:fld>
             <a:endParaRPr kumimoji="1" lang="ja-JP" altLang="en-US"/>
           </a:p>
@@ -4594,7 +4594,7 @@
           <a:p>
             <a:fld id="{021EE310-EC55-4FE5-9459-5D3CEDE369C6}" type="datetimeFigureOut">
               <a:rPr kumimoji="1" lang="ja-JP" altLang="en-US" smtClean="0"/>
-              <a:t>2025/10/2</a:t>
+              <a:t>2025/10/7</a:t>
             </a:fld>
             <a:endParaRPr kumimoji="1" lang="ja-JP" altLang="en-US"/>
           </a:p>
@@ -4712,7 +4712,7 @@
           <a:p>
             <a:fld id="{021EE310-EC55-4FE5-9459-5D3CEDE369C6}" type="datetimeFigureOut">
               <a:rPr kumimoji="1" lang="ja-JP" altLang="en-US" smtClean="0"/>
-              <a:t>2025/10/2</a:t>
+              <a:t>2025/10/7</a:t>
             </a:fld>
             <a:endParaRPr kumimoji="1" lang="ja-JP" altLang="en-US"/>
           </a:p>
@@ -4807,7 +4807,7 @@
           <a:p>
             <a:fld id="{021EE310-EC55-4FE5-9459-5D3CEDE369C6}" type="datetimeFigureOut">
               <a:rPr kumimoji="1" lang="ja-JP" altLang="en-US" smtClean="0"/>
-              <a:t>2025/10/2</a:t>
+              <a:t>2025/10/7</a:t>
             </a:fld>
             <a:endParaRPr kumimoji="1" lang="ja-JP" altLang="en-US"/>
           </a:p>
@@ -5118,7 +5118,7 @@
           <a:p>
             <a:fld id="{021EE310-EC55-4FE5-9459-5D3CEDE369C6}" type="datetimeFigureOut">
               <a:rPr kumimoji="1" lang="ja-JP" altLang="en-US" smtClean="0"/>
-              <a:t>2025/10/2</a:t>
+              <a:t>2025/10/7</a:t>
             </a:fld>
             <a:endParaRPr kumimoji="1" lang="ja-JP" altLang="en-US"/>
           </a:p>
@@ -5393,7 +5393,7 @@
           <a:p>
             <a:fld id="{021EE310-EC55-4FE5-9459-5D3CEDE369C6}" type="datetimeFigureOut">
               <a:rPr kumimoji="1" lang="ja-JP" altLang="en-US" smtClean="0"/>
-              <a:t>2025/10/2</a:t>
+              <a:t>2025/10/7</a:t>
             </a:fld>
             <a:endParaRPr kumimoji="1" lang="ja-JP" altLang="en-US"/>
           </a:p>
@@ -5854,7 +5854,7 @@
           <a:p>
             <a:fld id="{021EE310-EC55-4FE5-9459-5D3CEDE369C6}" type="datetimeFigureOut">
               <a:rPr kumimoji="1" lang="ja-JP" altLang="en-US" smtClean="0"/>
-              <a:t>2025/10/2</a:t>
+              <a:t>2025/10/7</a:t>
             </a:fld>
             <a:endParaRPr kumimoji="1" lang="ja-JP" altLang="en-US"/>
           </a:p>
@@ -6517,7 +6517,7 @@
         <p:spPr>
           <a:xfrm>
             <a:off x="335632" y="1733797"/>
-            <a:ext cx="8371459" cy="4401205"/>
+            <a:ext cx="8371459" cy="4708981"/>
           </a:xfrm>
           <a:prstGeom prst="rect">
             <a:avLst/>
@@ -6608,7 +6608,18 @@
           <a:p>
             <a:r>
               <a:rPr lang="ja-JP" altLang="en-US" sz="2000" dirty="0" smtClean="0"/>
-              <a:t>・ステージクリア後にスコアが表示される</a:t>
+              <a:t>・ステージクリア後にスコアが表示</a:t>
+            </a:r>
+            <a:r>
+              <a:rPr lang="ja-JP" altLang="en-US" sz="2000" dirty="0" smtClean="0"/>
+              <a:t>される</a:t>
+            </a:r>
+            <a:endParaRPr lang="en-US" altLang="ja-JP" sz="2000" dirty="0" smtClean="0"/>
+          </a:p>
+          <a:p>
+            <a:r>
+              <a:rPr kumimoji="1" lang="ja-JP" altLang="en-US" sz="2000" dirty="0" smtClean="0"/>
+              <a:t>・犬を指示して行う</a:t>
             </a:r>
             <a:endParaRPr kumimoji="1" lang="ja-JP" altLang="en-US" sz="2000" dirty="0"/>
           </a:p>
